--- a/Group1_PROJECT/DESIGN.pptx
+++ b/Group1_PROJECT/DESIGN.pptx
@@ -5391,6 +5391,61 @@
           </a:p>
         </p:txBody>
       </p:sp>
+      <p:sp>
+        <p:nvSpPr>
+          <p:cNvPr id="3" name="Rectangle 2">
+            <a:extLst>
+              <a:ext uri="{FF2B5EF4-FFF2-40B4-BE49-F238E27FC236}">
+                <a16:creationId xmlns:a16="http://schemas.microsoft.com/office/drawing/2014/main" id="{A6B82B50-F158-421F-B8DC-B392A9E78C07}"/>
+              </a:ext>
+            </a:extLst>
+          </p:cNvPr>
+          <p:cNvSpPr/>
+          <p:nvPr/>
+        </p:nvSpPr>
+        <p:spPr>
+          <a:xfrm>
+            <a:off x="6096000" y="130126"/>
+            <a:ext cx="3291840" cy="6597747"/>
+          </a:xfrm>
+          <a:prstGeom prst="rect">
+            <a:avLst/>
+          </a:prstGeom>
+          <a:solidFill>
+            <a:srgbClr val="FEF2EA"/>
+          </a:solidFill>
+        </p:spPr>
+        <p:style>
+          <a:lnRef idx="2">
+            <a:schemeClr val="dk1"/>
+          </a:lnRef>
+          <a:fillRef idx="1">
+            <a:schemeClr val="lt1"/>
+          </a:fillRef>
+          <a:effectRef idx="0">
+            <a:schemeClr val="dk1"/>
+          </a:effectRef>
+          <a:fontRef idx="minor">
+            <a:schemeClr val="dk1"/>
+          </a:fontRef>
+        </p:style>
+        <p:txBody>
+          <a:bodyPr rtlCol="0" anchor="ctr"/>
+          <a:lstStyle/>
+          <a:p>
+            <a:pPr algn="ctr"/>
+            <a:endParaRPr lang="en-PH" dirty="0"/>
+          </a:p>
+          <a:p>
+            <a:pPr algn="ctr"/>
+            <a:endParaRPr lang="en-PH" sz="3200" dirty="0">
+              <a:solidFill>
+                <a:srgbClr val="F7ABB1"/>
+              </a:solidFill>
+            </a:endParaRPr>
+          </a:p>
+        </p:txBody>
+      </p:sp>
     </p:spTree>
     <p:extLst>
       <p:ext uri="{BB962C8B-B14F-4D97-AF65-F5344CB8AC3E}">
@@ -5423,51 +5478,111 @@
       </p:grpSpPr>
       <p:sp>
         <p:nvSpPr>
-          <p:cNvPr id="2" name="Title 1">
-            <a:extLst>
-              <a:ext uri="{FF2B5EF4-FFF2-40B4-BE49-F238E27FC236}">
-                <a16:creationId xmlns:a16="http://schemas.microsoft.com/office/drawing/2014/main" id="{1CA08758-35A9-47FD-8EA7-F93A0C3705D5}"/>
-              </a:ext>
-            </a:extLst>
-          </p:cNvPr>
-          <p:cNvSpPr>
-            <a:spLocks noGrp="1"/>
-          </p:cNvSpPr>
-          <p:nvPr>
-            <p:ph type="title"/>
-          </p:nvPr>
-        </p:nvSpPr>
-        <p:spPr/>
-        <p:txBody>
-          <a:bodyPr/>
-          <a:lstStyle/>
-          <a:p>
-            <a:endParaRPr lang="en-PH"/>
-          </a:p>
-        </p:txBody>
-      </p:sp>
-      <p:sp>
-        <p:nvSpPr>
-          <p:cNvPr id="3" name="Content Placeholder 2">
-            <a:extLst>
-              <a:ext uri="{FF2B5EF4-FFF2-40B4-BE49-F238E27FC236}">
-                <a16:creationId xmlns:a16="http://schemas.microsoft.com/office/drawing/2014/main" id="{D4DD62AF-98D9-490F-A92F-80C1609D24F9}"/>
-              </a:ext>
-            </a:extLst>
-          </p:cNvPr>
-          <p:cNvSpPr>
-            <a:spLocks noGrp="1"/>
-          </p:cNvSpPr>
-          <p:nvPr>
-            <p:ph idx="1"/>
-          </p:nvPr>
-        </p:nvSpPr>
-        <p:spPr/>
-        <p:txBody>
-          <a:bodyPr/>
-          <a:lstStyle/>
-          <a:p>
-            <a:endParaRPr lang="en-PH"/>
+          <p:cNvPr id="4" name="Rectangle 3">
+            <a:extLst>
+              <a:ext uri="{FF2B5EF4-FFF2-40B4-BE49-F238E27FC236}">
+                <a16:creationId xmlns:a16="http://schemas.microsoft.com/office/drawing/2014/main" id="{3481FBE8-C854-4CF0-A422-939F4E76B84F}"/>
+              </a:ext>
+            </a:extLst>
+          </p:cNvPr>
+          <p:cNvSpPr/>
+          <p:nvPr/>
+        </p:nvSpPr>
+        <p:spPr>
+          <a:xfrm>
+            <a:off x="6096000" y="130126"/>
+            <a:ext cx="3291840" cy="6597747"/>
+          </a:xfrm>
+          <a:prstGeom prst="rect">
+            <a:avLst/>
+          </a:prstGeom>
+          <a:solidFill>
+            <a:srgbClr val="FEF2EA"/>
+          </a:solidFill>
+        </p:spPr>
+        <p:style>
+          <a:lnRef idx="2">
+            <a:schemeClr val="dk1"/>
+          </a:lnRef>
+          <a:fillRef idx="1">
+            <a:schemeClr val="lt1"/>
+          </a:fillRef>
+          <a:effectRef idx="0">
+            <a:schemeClr val="dk1"/>
+          </a:effectRef>
+          <a:fontRef idx="minor">
+            <a:schemeClr val="dk1"/>
+          </a:fontRef>
+        </p:style>
+        <p:txBody>
+          <a:bodyPr rtlCol="0" anchor="ctr"/>
+          <a:lstStyle/>
+          <a:p>
+            <a:pPr algn="ctr"/>
+            <a:endParaRPr lang="en-PH" dirty="0"/>
+          </a:p>
+          <a:p>
+            <a:pPr algn="ctr"/>
+            <a:endParaRPr lang="en-PH" sz="3200" dirty="0">
+              <a:solidFill>
+                <a:srgbClr val="F7ABB1"/>
+              </a:solidFill>
+            </a:endParaRPr>
+          </a:p>
+        </p:txBody>
+      </p:sp>
+      <p:sp>
+        <p:nvSpPr>
+          <p:cNvPr id="5" name="Rectangle 4">
+            <a:extLst>
+              <a:ext uri="{FF2B5EF4-FFF2-40B4-BE49-F238E27FC236}">
+                <a16:creationId xmlns:a16="http://schemas.microsoft.com/office/drawing/2014/main" id="{344BD1AD-6FCE-46B0-BF4E-FE121833D094}"/>
+              </a:ext>
+            </a:extLst>
+          </p:cNvPr>
+          <p:cNvSpPr/>
+          <p:nvPr/>
+        </p:nvSpPr>
+        <p:spPr>
+          <a:xfrm>
+            <a:off x="1821180" y="130125"/>
+            <a:ext cx="3291840" cy="6597747"/>
+          </a:xfrm>
+          <a:prstGeom prst="rect">
+            <a:avLst/>
+          </a:prstGeom>
+          <a:solidFill>
+            <a:srgbClr val="FEF2EA"/>
+          </a:solidFill>
+        </p:spPr>
+        <p:style>
+          <a:lnRef idx="2">
+            <a:schemeClr val="dk1"/>
+          </a:lnRef>
+          <a:fillRef idx="1">
+            <a:schemeClr val="lt1"/>
+          </a:fillRef>
+          <a:effectRef idx="0">
+            <a:schemeClr val="dk1"/>
+          </a:effectRef>
+          <a:fontRef idx="minor">
+            <a:schemeClr val="dk1"/>
+          </a:fontRef>
+        </p:style>
+        <p:txBody>
+          <a:bodyPr rtlCol="0" anchor="ctr"/>
+          <a:lstStyle/>
+          <a:p>
+            <a:pPr algn="ctr"/>
+            <a:endParaRPr lang="en-PH" dirty="0"/>
+          </a:p>
+          <a:p>
+            <a:pPr algn="ctr"/>
+            <a:endParaRPr lang="en-PH" sz="3200" dirty="0">
+              <a:solidFill>
+                <a:srgbClr val="F7ABB1"/>
+              </a:solidFill>
+            </a:endParaRPr>
           </a:p>
         </p:txBody>
       </p:sp>
